--- a/doc/skindemo.pptx
+++ b/doc/skindemo.pptx
@@ -8,6 +8,8 @@
     <p:sldId id="256" r:id="rId2"/>
     <p:sldId id="257" r:id="rId3"/>
     <p:sldId id="258" r:id="rId4"/>
+    <p:sldId id="259" r:id="rId5"/>
+    <p:sldId id="260" r:id="rId6"/>
   </p:sldIdLst>
   <p:sldSz cx="12192000" cy="6858000"/>
   <p:notesSz cx="6858000" cy="9144000"/>
@@ -106,6 +108,11 @@
       </a:defRPr>
     </a:lvl9pPr>
   </p:defaultTextStyle>
+  <p:extLst>
+    <p:ext uri="{EFAFB233-063F-42B5-8137-9DF3F51BA10A}">
+      <p15:sldGuideLst xmlns:p15="http://schemas.microsoft.com/office/powerpoint/2012/main"/>
+    </p:ext>
+  </p:extLst>
 </p:presentation>
 </file>
 
@@ -4263,6 +4270,296 @@
 </p:sld>
 </file>
 
+<file path=ppt/slides/slide4.xml><?xml version="1.0" encoding="utf-8"?>
+<p:sld xmlns:a="http://schemas.openxmlformats.org/drawingml/2006/main" xmlns:r="http://schemas.openxmlformats.org/officeDocument/2006/relationships" xmlns:p="http://schemas.openxmlformats.org/presentationml/2006/main">
+  <p:cSld>
+    <p:spTree>
+      <p:nvGrpSpPr>
+        <p:cNvPr id="1" name=""/>
+        <p:cNvGrpSpPr/>
+        <p:nvPr/>
+      </p:nvGrpSpPr>
+      <p:grpSpPr>
+        <a:xfrm>
+          <a:off x="0" y="0"/>
+          <a:ext cx="0" cy="0"/>
+          <a:chOff x="0" y="0"/>
+          <a:chExt cx="0" cy="0"/>
+        </a:xfrm>
+      </p:grpSpPr>
+      <p:sp>
+        <p:nvSpPr>
+          <p:cNvPr id="2" name="タイトル 1">
+            <a:extLst>
+              <a:ext uri="{FF2B5EF4-FFF2-40B4-BE49-F238E27FC236}">
+                <a16:creationId xmlns:a16="http://schemas.microsoft.com/office/drawing/2014/main" id="{ED324B08-F272-47A9-B89B-4FCB58B119A7}"/>
+              </a:ext>
+            </a:extLst>
+          </p:cNvPr>
+          <p:cNvSpPr>
+            <a:spLocks noGrp="1"/>
+          </p:cNvSpPr>
+          <p:nvPr>
+            <p:ph type="title"/>
+          </p:nvPr>
+        </p:nvSpPr>
+        <p:spPr/>
+        <p:txBody>
+          <a:bodyPr/>
+          <a:lstStyle/>
+          <a:p>
+            <a:r>
+              <a:rPr kumimoji="1" lang="ja-JP" altLang="en-US" dirty="0"/>
+              <a:t>スキンの参考ベース：</a:t>
+            </a:r>
+          </a:p>
+        </p:txBody>
+      </p:sp>
+      <p:sp>
+        <p:nvSpPr>
+          <p:cNvPr id="3" name="テキスト ボックス 2">
+            <a:extLst>
+              <a:ext uri="{FF2B5EF4-FFF2-40B4-BE49-F238E27FC236}">
+                <a16:creationId xmlns:a16="http://schemas.microsoft.com/office/drawing/2014/main" id="{D2ACF7D3-6C18-4311-AA5C-B75E1F4A43C2}"/>
+              </a:ext>
+            </a:extLst>
+          </p:cNvPr>
+          <p:cNvSpPr txBox="1"/>
+          <p:nvPr/>
+        </p:nvSpPr>
+        <p:spPr>
+          <a:xfrm>
+            <a:off x="914400" y="2237591"/>
+            <a:ext cx="10348856" cy="369332"/>
+          </a:xfrm>
+          <a:prstGeom prst="rect">
+            <a:avLst/>
+          </a:prstGeom>
+          <a:noFill/>
+        </p:spPr>
+        <p:txBody>
+          <a:bodyPr wrap="square" rtlCol="0">
+            <a:spAutoFit/>
+          </a:bodyPr>
+          <a:lstStyle/>
+          <a:p>
+            <a:r>
+              <a:rPr lang="en-US" altLang="ja-JP" dirty="0">
+                <a:hlinkClick r:id="rId2"/>
+              </a:rPr>
+              <a:t>https://addons.videolan.org/p/1008189/</a:t>
+            </a:r>
+            <a:endParaRPr kumimoji="1" lang="ja-JP" altLang="en-US" dirty="0"/>
+          </a:p>
+        </p:txBody>
+      </p:sp>
+      <p:pic>
+        <p:nvPicPr>
+          <p:cNvPr id="5" name="図 4">
+            <a:extLst>
+              <a:ext uri="{FF2B5EF4-FFF2-40B4-BE49-F238E27FC236}">
+                <a16:creationId xmlns:a16="http://schemas.microsoft.com/office/drawing/2014/main" id="{C8A90747-A2C8-44DA-A3DA-BC62592F752F}"/>
+              </a:ext>
+            </a:extLst>
+          </p:cNvPr>
+          <p:cNvPicPr>
+            <a:picLocks noChangeAspect="1"/>
+          </p:cNvPicPr>
+          <p:nvPr/>
+        </p:nvPicPr>
+        <p:blipFill>
+          <a:blip r:embed="rId3"/>
+          <a:stretch>
+            <a:fillRect/>
+          </a:stretch>
+        </p:blipFill>
+        <p:spPr>
+          <a:xfrm>
+            <a:off x="5979325" y="2221599"/>
+            <a:ext cx="4789262" cy="4058957"/>
+          </a:xfrm>
+          <a:prstGeom prst="rect">
+            <a:avLst/>
+          </a:prstGeom>
+        </p:spPr>
+      </p:pic>
+    </p:spTree>
+    <p:extLst>
+      <p:ext uri="{BB962C8B-B14F-4D97-AF65-F5344CB8AC3E}">
+        <p14:creationId xmlns:p14="http://schemas.microsoft.com/office/powerpoint/2010/main" val="3216564320"/>
+      </p:ext>
+    </p:extLst>
+  </p:cSld>
+  <p:clrMapOvr>
+    <a:masterClrMapping/>
+  </p:clrMapOvr>
+</p:sld>
+</file>
+
+<file path=ppt/slides/slide5.xml><?xml version="1.0" encoding="utf-8"?>
+<p:sld xmlns:a="http://schemas.openxmlformats.org/drawingml/2006/main" xmlns:r="http://schemas.openxmlformats.org/officeDocument/2006/relationships" xmlns:p="http://schemas.openxmlformats.org/presentationml/2006/main">
+  <p:cSld>
+    <p:spTree>
+      <p:nvGrpSpPr>
+        <p:cNvPr id="1" name=""/>
+        <p:cNvGrpSpPr/>
+        <p:nvPr/>
+      </p:nvGrpSpPr>
+      <p:grpSpPr>
+        <a:xfrm>
+          <a:off x="0" y="0"/>
+          <a:ext cx="0" cy="0"/>
+          <a:chOff x="0" y="0"/>
+          <a:chExt cx="0" cy="0"/>
+        </a:xfrm>
+      </p:grpSpPr>
+      <p:sp>
+        <p:nvSpPr>
+          <p:cNvPr id="2" name="タイトル 1">
+            <a:extLst>
+              <a:ext uri="{FF2B5EF4-FFF2-40B4-BE49-F238E27FC236}">
+                <a16:creationId xmlns:a16="http://schemas.microsoft.com/office/drawing/2014/main" id="{BD301FCC-5D0F-4AC9-9E5E-8B1DB6855145}"/>
+              </a:ext>
+            </a:extLst>
+          </p:cNvPr>
+          <p:cNvSpPr>
+            <a:spLocks noGrp="1"/>
+          </p:cNvSpPr>
+          <p:nvPr>
+            <p:ph type="title"/>
+          </p:nvPr>
+        </p:nvSpPr>
+        <p:spPr/>
+        <p:txBody>
+          <a:bodyPr/>
+          <a:lstStyle/>
+          <a:p>
+            <a:r>
+              <a:rPr kumimoji="1" lang="ja-JP" altLang="en-US" dirty="0"/>
+              <a:t>ロゴの表示</a:t>
+            </a:r>
+          </a:p>
+        </p:txBody>
+      </p:sp>
+      <p:pic>
+        <p:nvPicPr>
+          <p:cNvPr id="4" name="図 3">
+            <a:extLst>
+              <a:ext uri="{FF2B5EF4-FFF2-40B4-BE49-F238E27FC236}">
+                <a16:creationId xmlns:a16="http://schemas.microsoft.com/office/drawing/2014/main" id="{523A3235-3ADF-49BD-BA8A-E45DDBE4E73C}"/>
+              </a:ext>
+            </a:extLst>
+          </p:cNvPr>
+          <p:cNvPicPr>
+            <a:picLocks noChangeAspect="1"/>
+          </p:cNvPicPr>
+          <p:nvPr/>
+        </p:nvPicPr>
+        <p:blipFill>
+          <a:blip r:embed="rId2"/>
+          <a:stretch>
+            <a:fillRect/>
+          </a:stretch>
+        </p:blipFill>
+        <p:spPr>
+          <a:xfrm>
+            <a:off x="1093807" y="1495387"/>
+            <a:ext cx="6153150" cy="5191125"/>
+          </a:xfrm>
+          <a:prstGeom prst="rect">
+            <a:avLst/>
+          </a:prstGeom>
+        </p:spPr>
+      </p:pic>
+      <p:sp>
+        <p:nvSpPr>
+          <p:cNvPr id="5" name="矢印: 左 4">
+            <a:extLst>
+              <a:ext uri="{FF2B5EF4-FFF2-40B4-BE49-F238E27FC236}">
+                <a16:creationId xmlns:a16="http://schemas.microsoft.com/office/drawing/2014/main" id="{1D47B977-41CD-4479-B758-54776C587DDF}"/>
+              </a:ext>
+            </a:extLst>
+          </p:cNvPr>
+          <p:cNvSpPr/>
+          <p:nvPr/>
+        </p:nvSpPr>
+        <p:spPr>
+          <a:xfrm>
+            <a:off x="7347474" y="4873214"/>
+            <a:ext cx="1226371" cy="656217"/>
+          </a:xfrm>
+          <a:prstGeom prst="leftArrow">
+            <a:avLst/>
+          </a:prstGeom>
+        </p:spPr>
+        <p:style>
+          <a:lnRef idx="2">
+            <a:schemeClr val="accent1">
+              <a:shade val="50000"/>
+            </a:schemeClr>
+          </a:lnRef>
+          <a:fillRef idx="1">
+            <a:schemeClr val="accent1"/>
+          </a:fillRef>
+          <a:effectRef idx="0">
+            <a:schemeClr val="accent1"/>
+          </a:effectRef>
+          <a:fontRef idx="minor">
+            <a:schemeClr val="lt1"/>
+          </a:fontRef>
+        </p:style>
+        <p:txBody>
+          <a:bodyPr rtlCol="0" anchor="ctr"/>
+          <a:lstStyle/>
+          <a:p>
+            <a:pPr algn="ctr"/>
+            <a:endParaRPr kumimoji="1" lang="ja-JP" altLang="en-US"/>
+          </a:p>
+        </p:txBody>
+      </p:sp>
+      <p:pic>
+        <p:nvPicPr>
+          <p:cNvPr id="7" name="図 6">
+            <a:extLst>
+              <a:ext uri="{FF2B5EF4-FFF2-40B4-BE49-F238E27FC236}">
+                <a16:creationId xmlns:a16="http://schemas.microsoft.com/office/drawing/2014/main" id="{6184F352-996D-4E93-9EC9-1739083D792F}"/>
+              </a:ext>
+            </a:extLst>
+          </p:cNvPr>
+          <p:cNvPicPr>
+            <a:picLocks noChangeAspect="1"/>
+          </p:cNvPicPr>
+          <p:nvPr/>
+        </p:nvPicPr>
+        <p:blipFill>
+          <a:blip r:embed="rId3"/>
+          <a:stretch>
+            <a:fillRect/>
+          </a:stretch>
+        </p:blipFill>
+        <p:spPr>
+          <a:xfrm>
+            <a:off x="9689605" y="4577347"/>
+            <a:ext cx="924054" cy="1247949"/>
+          </a:xfrm>
+          <a:prstGeom prst="rect">
+            <a:avLst/>
+          </a:prstGeom>
+        </p:spPr>
+      </p:pic>
+    </p:spTree>
+    <p:extLst>
+      <p:ext uri="{BB962C8B-B14F-4D97-AF65-F5344CB8AC3E}">
+        <p14:creationId xmlns:p14="http://schemas.microsoft.com/office/powerpoint/2010/main" val="92658645"/>
+      </p:ext>
+    </p:extLst>
+  </p:cSld>
+  <p:clrMapOvr>
+    <a:masterClrMapping/>
+  </p:clrMapOvr>
+</p:sld>
+</file>
+
 <file path=ppt/theme/theme1.xml><?xml version="1.0" encoding="utf-8"?>
 <a:theme xmlns:a="http://schemas.openxmlformats.org/drawingml/2006/main" name="Office テーマ">
   <a:themeElements>
